--- a/Topic A Computer Concepts/SimonVsLightSwitch.pptx
+++ b/Topic A Computer Concepts/SimonVsLightSwitch.pptx
@@ -7,6 +7,8 @@
   <p:sldIdLst>
     <p:sldId id="256" r:id="rId2"/>
     <p:sldId id="257" r:id="rId3"/>
+    <p:sldId id="258" r:id="rId4"/>
+    <p:sldId id="259" r:id="rId5"/>
   </p:sldIdLst>
   <p:sldSz cx="12192000" cy="6858000"/>
   <p:notesSz cx="6858000" cy="9144000"/>
@@ -105,6 +107,11 @@
       </a:defRPr>
     </a:lvl9pPr>
   </p:defaultTextStyle>
+  <p:extLst>
+    <p:ext uri="{EFAFB233-063F-42B5-8137-9DF3F51BA10A}">
+      <p15:sldGuideLst xmlns:p15="http://schemas.microsoft.com/office/powerpoint/2012/main"/>
+    </p:ext>
+  </p:extLst>
 </p:presentation>
 </file>
 
@@ -130,7 +137,7 @@
           <p:cNvPr id="2" name="Title 1">
             <a:extLst>
               <a:ext uri="{FF2B5EF4-FFF2-40B4-BE49-F238E27FC236}">
-                <a16:creationId xmlns:a16="http://schemas.microsoft.com/office/drawing/2014/main" id="{5DDEAC7C-BA0E-483A-8D30-EFFB6B6702B2}"/>
+                <a16:creationId xmlns:a16="http://schemas.microsoft.com/office/drawing/2014/main" xmlns="" id="{5DDEAC7C-BA0E-483A-8D30-EFFB6B6702B2}"/>
               </a:ext>
             </a:extLst>
           </p:cNvPr>
@@ -167,7 +174,7 @@
           <p:cNvPr id="3" name="Subtitle 2">
             <a:extLst>
               <a:ext uri="{FF2B5EF4-FFF2-40B4-BE49-F238E27FC236}">
-                <a16:creationId xmlns:a16="http://schemas.microsoft.com/office/drawing/2014/main" id="{5750ABEB-873B-486C-B4EF-C003778A2192}"/>
+                <a16:creationId xmlns:a16="http://schemas.microsoft.com/office/drawing/2014/main" xmlns="" id="{5750ABEB-873B-486C-B4EF-C003778A2192}"/>
               </a:ext>
             </a:extLst>
           </p:cNvPr>
@@ -237,7 +244,7 @@
           <p:cNvPr id="4" name="Date Placeholder 3">
             <a:extLst>
               <a:ext uri="{FF2B5EF4-FFF2-40B4-BE49-F238E27FC236}">
-                <a16:creationId xmlns:a16="http://schemas.microsoft.com/office/drawing/2014/main" id="{0A33F3D8-F1E4-444C-9ACA-D189807F1CE8}"/>
+                <a16:creationId xmlns:a16="http://schemas.microsoft.com/office/drawing/2014/main" xmlns="" id="{0A33F3D8-F1E4-444C-9ACA-D189807F1CE8}"/>
               </a:ext>
             </a:extLst>
           </p:cNvPr>
@@ -255,7 +262,7 @@
           <a:p>
             <a:fld id="{1E4471EA-5D67-48BD-A8C7-B875CA7F6484}" type="datetimeFigureOut">
               <a:rPr lang="en-US" smtClean="0"/>
-              <a:t>8/24/2018</a:t>
+              <a:t>9/7/2018</a:t>
             </a:fld>
             <a:endParaRPr lang="en-US"/>
           </a:p>
@@ -266,7 +273,7 @@
           <p:cNvPr id="5" name="Footer Placeholder 4">
             <a:extLst>
               <a:ext uri="{FF2B5EF4-FFF2-40B4-BE49-F238E27FC236}">
-                <a16:creationId xmlns:a16="http://schemas.microsoft.com/office/drawing/2014/main" id="{4775D1C3-DE2E-489A-9BD4-EFFA2541307D}"/>
+                <a16:creationId xmlns:a16="http://schemas.microsoft.com/office/drawing/2014/main" xmlns="" id="{4775D1C3-DE2E-489A-9BD4-EFFA2541307D}"/>
               </a:ext>
             </a:extLst>
           </p:cNvPr>
@@ -291,7 +298,7 @@
           <p:cNvPr id="6" name="Slide Number Placeholder 5">
             <a:extLst>
               <a:ext uri="{FF2B5EF4-FFF2-40B4-BE49-F238E27FC236}">
-                <a16:creationId xmlns:a16="http://schemas.microsoft.com/office/drawing/2014/main" id="{F7AD54AF-8D84-4EA5-BC5D-B3C0FB22A3ED}"/>
+                <a16:creationId xmlns:a16="http://schemas.microsoft.com/office/drawing/2014/main" xmlns="" id="{F7AD54AF-8D84-4EA5-BC5D-B3C0FB22A3ED}"/>
               </a:ext>
             </a:extLst>
           </p:cNvPr>
@@ -350,7 +357,7 @@
           <p:cNvPr id="2" name="Title 1">
             <a:extLst>
               <a:ext uri="{FF2B5EF4-FFF2-40B4-BE49-F238E27FC236}">
-                <a16:creationId xmlns:a16="http://schemas.microsoft.com/office/drawing/2014/main" id="{457CB067-40C4-44D3-973B-67482A9C06D3}"/>
+                <a16:creationId xmlns:a16="http://schemas.microsoft.com/office/drawing/2014/main" xmlns="" id="{457CB067-40C4-44D3-973B-67482A9C06D3}"/>
               </a:ext>
             </a:extLst>
           </p:cNvPr>
@@ -378,7 +385,7 @@
           <p:cNvPr id="3" name="Vertical Text Placeholder 2">
             <a:extLst>
               <a:ext uri="{FF2B5EF4-FFF2-40B4-BE49-F238E27FC236}">
-                <a16:creationId xmlns:a16="http://schemas.microsoft.com/office/drawing/2014/main" id="{ECD034DF-24E6-46EA-A5FA-C0A0AA443580}"/>
+                <a16:creationId xmlns:a16="http://schemas.microsoft.com/office/drawing/2014/main" xmlns="" id="{ECD034DF-24E6-46EA-A5FA-C0A0AA443580}"/>
               </a:ext>
             </a:extLst>
           </p:cNvPr>
@@ -435,7 +442,7 @@
           <p:cNvPr id="4" name="Date Placeholder 3">
             <a:extLst>
               <a:ext uri="{FF2B5EF4-FFF2-40B4-BE49-F238E27FC236}">
-                <a16:creationId xmlns:a16="http://schemas.microsoft.com/office/drawing/2014/main" id="{58D69B80-7E2C-43B6-AEB3-8CEB4EAE1D0E}"/>
+                <a16:creationId xmlns:a16="http://schemas.microsoft.com/office/drawing/2014/main" xmlns="" id="{58D69B80-7E2C-43B6-AEB3-8CEB4EAE1D0E}"/>
               </a:ext>
             </a:extLst>
           </p:cNvPr>
@@ -453,7 +460,7 @@
           <a:p>
             <a:fld id="{1E4471EA-5D67-48BD-A8C7-B875CA7F6484}" type="datetimeFigureOut">
               <a:rPr lang="en-US" smtClean="0"/>
-              <a:t>8/24/2018</a:t>
+              <a:t>9/7/2018</a:t>
             </a:fld>
             <a:endParaRPr lang="en-US"/>
           </a:p>
@@ -464,7 +471,7 @@
           <p:cNvPr id="5" name="Footer Placeholder 4">
             <a:extLst>
               <a:ext uri="{FF2B5EF4-FFF2-40B4-BE49-F238E27FC236}">
-                <a16:creationId xmlns:a16="http://schemas.microsoft.com/office/drawing/2014/main" id="{048A257E-395C-4F73-A85E-7C8DE8A7E373}"/>
+                <a16:creationId xmlns:a16="http://schemas.microsoft.com/office/drawing/2014/main" xmlns="" id="{048A257E-395C-4F73-A85E-7C8DE8A7E373}"/>
               </a:ext>
             </a:extLst>
           </p:cNvPr>
@@ -489,7 +496,7 @@
           <p:cNvPr id="6" name="Slide Number Placeholder 5">
             <a:extLst>
               <a:ext uri="{FF2B5EF4-FFF2-40B4-BE49-F238E27FC236}">
-                <a16:creationId xmlns:a16="http://schemas.microsoft.com/office/drawing/2014/main" id="{C4048451-F241-48D4-A437-3607E1F64235}"/>
+                <a16:creationId xmlns:a16="http://schemas.microsoft.com/office/drawing/2014/main" xmlns="" id="{C4048451-F241-48D4-A437-3607E1F64235}"/>
               </a:ext>
             </a:extLst>
           </p:cNvPr>
@@ -548,7 +555,7 @@
           <p:cNvPr id="2" name="Vertical Title 1">
             <a:extLst>
               <a:ext uri="{FF2B5EF4-FFF2-40B4-BE49-F238E27FC236}">
-                <a16:creationId xmlns:a16="http://schemas.microsoft.com/office/drawing/2014/main" id="{B1466D75-ACBA-4E6A-9A53-BB9BA3BDE693}"/>
+                <a16:creationId xmlns:a16="http://schemas.microsoft.com/office/drawing/2014/main" xmlns="" id="{B1466D75-ACBA-4E6A-9A53-BB9BA3BDE693}"/>
               </a:ext>
             </a:extLst>
           </p:cNvPr>
@@ -581,7 +588,7 @@
           <p:cNvPr id="3" name="Vertical Text Placeholder 2">
             <a:extLst>
               <a:ext uri="{FF2B5EF4-FFF2-40B4-BE49-F238E27FC236}">
-                <a16:creationId xmlns:a16="http://schemas.microsoft.com/office/drawing/2014/main" id="{6BD101D0-7353-435A-8B01-D4F9F34742E0}"/>
+                <a16:creationId xmlns:a16="http://schemas.microsoft.com/office/drawing/2014/main" xmlns="" id="{6BD101D0-7353-435A-8B01-D4F9F34742E0}"/>
               </a:ext>
             </a:extLst>
           </p:cNvPr>
@@ -643,7 +650,7 @@
           <p:cNvPr id="4" name="Date Placeholder 3">
             <a:extLst>
               <a:ext uri="{FF2B5EF4-FFF2-40B4-BE49-F238E27FC236}">
-                <a16:creationId xmlns:a16="http://schemas.microsoft.com/office/drawing/2014/main" id="{F2CB8657-CFF1-4C56-8037-EF62B9F9C2A0}"/>
+                <a16:creationId xmlns:a16="http://schemas.microsoft.com/office/drawing/2014/main" xmlns="" id="{F2CB8657-CFF1-4C56-8037-EF62B9F9C2A0}"/>
               </a:ext>
             </a:extLst>
           </p:cNvPr>
@@ -661,7 +668,7 @@
           <a:p>
             <a:fld id="{1E4471EA-5D67-48BD-A8C7-B875CA7F6484}" type="datetimeFigureOut">
               <a:rPr lang="en-US" smtClean="0"/>
-              <a:t>8/24/2018</a:t>
+              <a:t>9/7/2018</a:t>
             </a:fld>
             <a:endParaRPr lang="en-US"/>
           </a:p>
@@ -672,7 +679,7 @@
           <p:cNvPr id="5" name="Footer Placeholder 4">
             <a:extLst>
               <a:ext uri="{FF2B5EF4-FFF2-40B4-BE49-F238E27FC236}">
-                <a16:creationId xmlns:a16="http://schemas.microsoft.com/office/drawing/2014/main" id="{C483AEB6-CCF5-4966-82D7-EC6BA0437521}"/>
+                <a16:creationId xmlns:a16="http://schemas.microsoft.com/office/drawing/2014/main" xmlns="" id="{C483AEB6-CCF5-4966-82D7-EC6BA0437521}"/>
               </a:ext>
             </a:extLst>
           </p:cNvPr>
@@ -697,7 +704,7 @@
           <p:cNvPr id="6" name="Slide Number Placeholder 5">
             <a:extLst>
               <a:ext uri="{FF2B5EF4-FFF2-40B4-BE49-F238E27FC236}">
-                <a16:creationId xmlns:a16="http://schemas.microsoft.com/office/drawing/2014/main" id="{957A4A30-F5BB-4520-957B-E96441DE2CAB}"/>
+                <a16:creationId xmlns:a16="http://schemas.microsoft.com/office/drawing/2014/main" xmlns="" id="{957A4A30-F5BB-4520-957B-E96441DE2CAB}"/>
               </a:ext>
             </a:extLst>
           </p:cNvPr>
@@ -756,7 +763,7 @@
           <p:cNvPr id="2" name="Title 1">
             <a:extLst>
               <a:ext uri="{FF2B5EF4-FFF2-40B4-BE49-F238E27FC236}">
-                <a16:creationId xmlns:a16="http://schemas.microsoft.com/office/drawing/2014/main" id="{5E717CED-7748-48FB-8326-A899578C90A8}"/>
+                <a16:creationId xmlns:a16="http://schemas.microsoft.com/office/drawing/2014/main" xmlns="" id="{5E717CED-7748-48FB-8326-A899578C90A8}"/>
               </a:ext>
             </a:extLst>
           </p:cNvPr>
@@ -784,7 +791,7 @@
           <p:cNvPr id="3" name="Content Placeholder 2">
             <a:extLst>
               <a:ext uri="{FF2B5EF4-FFF2-40B4-BE49-F238E27FC236}">
-                <a16:creationId xmlns:a16="http://schemas.microsoft.com/office/drawing/2014/main" id="{BF9D7C3C-755B-411A-B58B-B71876F49234}"/>
+                <a16:creationId xmlns:a16="http://schemas.microsoft.com/office/drawing/2014/main" xmlns="" id="{BF9D7C3C-755B-411A-B58B-B71876F49234}"/>
               </a:ext>
             </a:extLst>
           </p:cNvPr>
@@ -841,7 +848,7 @@
           <p:cNvPr id="4" name="Date Placeholder 3">
             <a:extLst>
               <a:ext uri="{FF2B5EF4-FFF2-40B4-BE49-F238E27FC236}">
-                <a16:creationId xmlns:a16="http://schemas.microsoft.com/office/drawing/2014/main" id="{09D299D6-AC0D-4DDD-943C-360AE13CBEF3}"/>
+                <a16:creationId xmlns:a16="http://schemas.microsoft.com/office/drawing/2014/main" xmlns="" id="{09D299D6-AC0D-4DDD-943C-360AE13CBEF3}"/>
               </a:ext>
             </a:extLst>
           </p:cNvPr>
@@ -859,7 +866,7 @@
           <a:p>
             <a:fld id="{1E4471EA-5D67-48BD-A8C7-B875CA7F6484}" type="datetimeFigureOut">
               <a:rPr lang="en-US" smtClean="0"/>
-              <a:t>8/24/2018</a:t>
+              <a:t>9/7/2018</a:t>
             </a:fld>
             <a:endParaRPr lang="en-US"/>
           </a:p>
@@ -870,7 +877,7 @@
           <p:cNvPr id="5" name="Footer Placeholder 4">
             <a:extLst>
               <a:ext uri="{FF2B5EF4-FFF2-40B4-BE49-F238E27FC236}">
-                <a16:creationId xmlns:a16="http://schemas.microsoft.com/office/drawing/2014/main" id="{FDD3C395-24F9-43C3-90EE-C2742927AFFE}"/>
+                <a16:creationId xmlns:a16="http://schemas.microsoft.com/office/drawing/2014/main" xmlns="" id="{FDD3C395-24F9-43C3-90EE-C2742927AFFE}"/>
               </a:ext>
             </a:extLst>
           </p:cNvPr>
@@ -895,7 +902,7 @@
           <p:cNvPr id="6" name="Slide Number Placeholder 5">
             <a:extLst>
               <a:ext uri="{FF2B5EF4-FFF2-40B4-BE49-F238E27FC236}">
-                <a16:creationId xmlns:a16="http://schemas.microsoft.com/office/drawing/2014/main" id="{E537CB41-3006-43B1-A870-44F2CA36508D}"/>
+                <a16:creationId xmlns:a16="http://schemas.microsoft.com/office/drawing/2014/main" xmlns="" id="{E537CB41-3006-43B1-A870-44F2CA36508D}"/>
               </a:ext>
             </a:extLst>
           </p:cNvPr>
@@ -954,7 +961,7 @@
           <p:cNvPr id="2" name="Title 1">
             <a:extLst>
               <a:ext uri="{FF2B5EF4-FFF2-40B4-BE49-F238E27FC236}">
-                <a16:creationId xmlns:a16="http://schemas.microsoft.com/office/drawing/2014/main" id="{894533C5-C175-4DDE-87E2-20E18A4AB29C}"/>
+                <a16:creationId xmlns:a16="http://schemas.microsoft.com/office/drawing/2014/main" xmlns="" id="{894533C5-C175-4DDE-87E2-20E18A4AB29C}"/>
               </a:ext>
             </a:extLst>
           </p:cNvPr>
@@ -991,7 +998,7 @@
           <p:cNvPr id="3" name="Text Placeholder 2">
             <a:extLst>
               <a:ext uri="{FF2B5EF4-FFF2-40B4-BE49-F238E27FC236}">
-                <a16:creationId xmlns:a16="http://schemas.microsoft.com/office/drawing/2014/main" id="{77844031-3E9A-4560-A0AF-CFC75B522BAF}"/>
+                <a16:creationId xmlns:a16="http://schemas.microsoft.com/office/drawing/2014/main" xmlns="" id="{77844031-3E9A-4560-A0AF-CFC75B522BAF}"/>
               </a:ext>
             </a:extLst>
           </p:cNvPr>
@@ -1116,7 +1123,7 @@
           <p:cNvPr id="4" name="Date Placeholder 3">
             <a:extLst>
               <a:ext uri="{FF2B5EF4-FFF2-40B4-BE49-F238E27FC236}">
-                <a16:creationId xmlns:a16="http://schemas.microsoft.com/office/drawing/2014/main" id="{81C5FEFD-F91A-4EE9-ABFB-3F16C433013A}"/>
+                <a16:creationId xmlns:a16="http://schemas.microsoft.com/office/drawing/2014/main" xmlns="" id="{81C5FEFD-F91A-4EE9-ABFB-3F16C433013A}"/>
               </a:ext>
             </a:extLst>
           </p:cNvPr>
@@ -1134,7 +1141,7 @@
           <a:p>
             <a:fld id="{1E4471EA-5D67-48BD-A8C7-B875CA7F6484}" type="datetimeFigureOut">
               <a:rPr lang="en-US" smtClean="0"/>
-              <a:t>8/24/2018</a:t>
+              <a:t>9/7/2018</a:t>
             </a:fld>
             <a:endParaRPr lang="en-US"/>
           </a:p>
@@ -1145,7 +1152,7 @@
           <p:cNvPr id="5" name="Footer Placeholder 4">
             <a:extLst>
               <a:ext uri="{FF2B5EF4-FFF2-40B4-BE49-F238E27FC236}">
-                <a16:creationId xmlns:a16="http://schemas.microsoft.com/office/drawing/2014/main" id="{7830D97B-6C35-45D9-8BB5-560F58C8E7C1}"/>
+                <a16:creationId xmlns:a16="http://schemas.microsoft.com/office/drawing/2014/main" xmlns="" id="{7830D97B-6C35-45D9-8BB5-560F58C8E7C1}"/>
               </a:ext>
             </a:extLst>
           </p:cNvPr>
@@ -1170,7 +1177,7 @@
           <p:cNvPr id="6" name="Slide Number Placeholder 5">
             <a:extLst>
               <a:ext uri="{FF2B5EF4-FFF2-40B4-BE49-F238E27FC236}">
-                <a16:creationId xmlns:a16="http://schemas.microsoft.com/office/drawing/2014/main" id="{5C899940-6F7C-4539-8B01-A6BE053FEA09}"/>
+                <a16:creationId xmlns:a16="http://schemas.microsoft.com/office/drawing/2014/main" xmlns="" id="{5C899940-6F7C-4539-8B01-A6BE053FEA09}"/>
               </a:ext>
             </a:extLst>
           </p:cNvPr>
@@ -1229,7 +1236,7 @@
           <p:cNvPr id="2" name="Title 1">
             <a:extLst>
               <a:ext uri="{FF2B5EF4-FFF2-40B4-BE49-F238E27FC236}">
-                <a16:creationId xmlns:a16="http://schemas.microsoft.com/office/drawing/2014/main" id="{68131090-BE71-4154-957D-57B64B3F9B72}"/>
+                <a16:creationId xmlns:a16="http://schemas.microsoft.com/office/drawing/2014/main" xmlns="" id="{68131090-BE71-4154-957D-57B64B3F9B72}"/>
               </a:ext>
             </a:extLst>
           </p:cNvPr>
@@ -1257,7 +1264,7 @@
           <p:cNvPr id="3" name="Content Placeholder 2">
             <a:extLst>
               <a:ext uri="{FF2B5EF4-FFF2-40B4-BE49-F238E27FC236}">
-                <a16:creationId xmlns:a16="http://schemas.microsoft.com/office/drawing/2014/main" id="{9EEB4E5C-2E9F-4141-B79F-756766FD8103}"/>
+                <a16:creationId xmlns:a16="http://schemas.microsoft.com/office/drawing/2014/main" xmlns="" id="{9EEB4E5C-2E9F-4141-B79F-756766FD8103}"/>
               </a:ext>
             </a:extLst>
           </p:cNvPr>
@@ -1319,7 +1326,7 @@
           <p:cNvPr id="4" name="Content Placeholder 3">
             <a:extLst>
               <a:ext uri="{FF2B5EF4-FFF2-40B4-BE49-F238E27FC236}">
-                <a16:creationId xmlns:a16="http://schemas.microsoft.com/office/drawing/2014/main" id="{1C7C8474-39C6-4440-A98A-37797E4B5113}"/>
+                <a16:creationId xmlns:a16="http://schemas.microsoft.com/office/drawing/2014/main" xmlns="" id="{1C7C8474-39C6-4440-A98A-37797E4B5113}"/>
               </a:ext>
             </a:extLst>
           </p:cNvPr>
@@ -1381,7 +1388,7 @@
           <p:cNvPr id="5" name="Date Placeholder 4">
             <a:extLst>
               <a:ext uri="{FF2B5EF4-FFF2-40B4-BE49-F238E27FC236}">
-                <a16:creationId xmlns:a16="http://schemas.microsoft.com/office/drawing/2014/main" id="{819B5522-660E-419A-8DF9-0E9409D81A34}"/>
+                <a16:creationId xmlns:a16="http://schemas.microsoft.com/office/drawing/2014/main" xmlns="" id="{819B5522-660E-419A-8DF9-0E9409D81A34}"/>
               </a:ext>
             </a:extLst>
           </p:cNvPr>
@@ -1399,7 +1406,7 @@
           <a:p>
             <a:fld id="{1E4471EA-5D67-48BD-A8C7-B875CA7F6484}" type="datetimeFigureOut">
               <a:rPr lang="en-US" smtClean="0"/>
-              <a:t>8/24/2018</a:t>
+              <a:t>9/7/2018</a:t>
             </a:fld>
             <a:endParaRPr lang="en-US"/>
           </a:p>
@@ -1410,7 +1417,7 @@
           <p:cNvPr id="6" name="Footer Placeholder 5">
             <a:extLst>
               <a:ext uri="{FF2B5EF4-FFF2-40B4-BE49-F238E27FC236}">
-                <a16:creationId xmlns:a16="http://schemas.microsoft.com/office/drawing/2014/main" id="{04891F94-CA30-46A6-A770-A9D9DE9B7444}"/>
+                <a16:creationId xmlns:a16="http://schemas.microsoft.com/office/drawing/2014/main" xmlns="" id="{04891F94-CA30-46A6-A770-A9D9DE9B7444}"/>
               </a:ext>
             </a:extLst>
           </p:cNvPr>
@@ -1435,7 +1442,7 @@
           <p:cNvPr id="7" name="Slide Number Placeholder 6">
             <a:extLst>
               <a:ext uri="{FF2B5EF4-FFF2-40B4-BE49-F238E27FC236}">
-                <a16:creationId xmlns:a16="http://schemas.microsoft.com/office/drawing/2014/main" id="{FA20B6C2-64E7-46D3-BE78-FCE67D26A169}"/>
+                <a16:creationId xmlns:a16="http://schemas.microsoft.com/office/drawing/2014/main" xmlns="" id="{FA20B6C2-64E7-46D3-BE78-FCE67D26A169}"/>
               </a:ext>
             </a:extLst>
           </p:cNvPr>
@@ -1494,7 +1501,7 @@
           <p:cNvPr id="2" name="Title 1">
             <a:extLst>
               <a:ext uri="{FF2B5EF4-FFF2-40B4-BE49-F238E27FC236}">
-                <a16:creationId xmlns:a16="http://schemas.microsoft.com/office/drawing/2014/main" id="{AC0CAE69-2F7D-4E74-8EE8-2FE2A5132ECD}"/>
+                <a16:creationId xmlns:a16="http://schemas.microsoft.com/office/drawing/2014/main" xmlns="" id="{AC0CAE69-2F7D-4E74-8EE8-2FE2A5132ECD}"/>
               </a:ext>
             </a:extLst>
           </p:cNvPr>
@@ -1527,7 +1534,7 @@
           <p:cNvPr id="3" name="Text Placeholder 2">
             <a:extLst>
               <a:ext uri="{FF2B5EF4-FFF2-40B4-BE49-F238E27FC236}">
-                <a16:creationId xmlns:a16="http://schemas.microsoft.com/office/drawing/2014/main" id="{4CA7F66C-F110-415B-A311-B1A505DDB02C}"/>
+                <a16:creationId xmlns:a16="http://schemas.microsoft.com/office/drawing/2014/main" xmlns="" id="{4CA7F66C-F110-415B-A311-B1A505DDB02C}"/>
               </a:ext>
             </a:extLst>
           </p:cNvPr>
@@ -1598,7 +1605,7 @@
           <p:cNvPr id="4" name="Content Placeholder 3">
             <a:extLst>
               <a:ext uri="{FF2B5EF4-FFF2-40B4-BE49-F238E27FC236}">
-                <a16:creationId xmlns:a16="http://schemas.microsoft.com/office/drawing/2014/main" id="{F5176642-E835-4231-981A-14DA9E067932}"/>
+                <a16:creationId xmlns:a16="http://schemas.microsoft.com/office/drawing/2014/main" xmlns="" id="{F5176642-E835-4231-981A-14DA9E067932}"/>
               </a:ext>
             </a:extLst>
           </p:cNvPr>
@@ -1660,7 +1667,7 @@
           <p:cNvPr id="5" name="Text Placeholder 4">
             <a:extLst>
               <a:ext uri="{FF2B5EF4-FFF2-40B4-BE49-F238E27FC236}">
-                <a16:creationId xmlns:a16="http://schemas.microsoft.com/office/drawing/2014/main" id="{8546744D-64D2-4269-85F9-E3BAD0C3BCF2}"/>
+                <a16:creationId xmlns:a16="http://schemas.microsoft.com/office/drawing/2014/main" xmlns="" id="{8546744D-64D2-4269-85F9-E3BAD0C3BCF2}"/>
               </a:ext>
             </a:extLst>
           </p:cNvPr>
@@ -1731,7 +1738,7 @@
           <p:cNvPr id="6" name="Content Placeholder 5">
             <a:extLst>
               <a:ext uri="{FF2B5EF4-FFF2-40B4-BE49-F238E27FC236}">
-                <a16:creationId xmlns:a16="http://schemas.microsoft.com/office/drawing/2014/main" id="{F84A55BE-9341-4E9E-9E1A-434D8FAD568A}"/>
+                <a16:creationId xmlns:a16="http://schemas.microsoft.com/office/drawing/2014/main" xmlns="" id="{F84A55BE-9341-4E9E-9E1A-434D8FAD568A}"/>
               </a:ext>
             </a:extLst>
           </p:cNvPr>
@@ -1793,7 +1800,7 @@
           <p:cNvPr id="7" name="Date Placeholder 6">
             <a:extLst>
               <a:ext uri="{FF2B5EF4-FFF2-40B4-BE49-F238E27FC236}">
-                <a16:creationId xmlns:a16="http://schemas.microsoft.com/office/drawing/2014/main" id="{0C99F715-F592-40F2-B031-22A29AFB6DC8}"/>
+                <a16:creationId xmlns:a16="http://schemas.microsoft.com/office/drawing/2014/main" xmlns="" id="{0C99F715-F592-40F2-B031-22A29AFB6DC8}"/>
               </a:ext>
             </a:extLst>
           </p:cNvPr>
@@ -1811,7 +1818,7 @@
           <a:p>
             <a:fld id="{1E4471EA-5D67-48BD-A8C7-B875CA7F6484}" type="datetimeFigureOut">
               <a:rPr lang="en-US" smtClean="0"/>
-              <a:t>8/24/2018</a:t>
+              <a:t>9/7/2018</a:t>
             </a:fld>
             <a:endParaRPr lang="en-US"/>
           </a:p>
@@ -1822,7 +1829,7 @@
           <p:cNvPr id="8" name="Footer Placeholder 7">
             <a:extLst>
               <a:ext uri="{FF2B5EF4-FFF2-40B4-BE49-F238E27FC236}">
-                <a16:creationId xmlns:a16="http://schemas.microsoft.com/office/drawing/2014/main" id="{66494CAA-1478-41F8-B5C2-204BEFC26AE0}"/>
+                <a16:creationId xmlns:a16="http://schemas.microsoft.com/office/drawing/2014/main" xmlns="" id="{66494CAA-1478-41F8-B5C2-204BEFC26AE0}"/>
               </a:ext>
             </a:extLst>
           </p:cNvPr>
@@ -1847,7 +1854,7 @@
           <p:cNvPr id="9" name="Slide Number Placeholder 8">
             <a:extLst>
               <a:ext uri="{FF2B5EF4-FFF2-40B4-BE49-F238E27FC236}">
-                <a16:creationId xmlns:a16="http://schemas.microsoft.com/office/drawing/2014/main" id="{4FB37F8D-6C3E-4399-B1C1-3BDFE9139DFD}"/>
+                <a16:creationId xmlns:a16="http://schemas.microsoft.com/office/drawing/2014/main" xmlns="" id="{4FB37F8D-6C3E-4399-B1C1-3BDFE9139DFD}"/>
               </a:ext>
             </a:extLst>
           </p:cNvPr>
@@ -1906,7 +1913,7 @@
           <p:cNvPr id="2" name="Title 1">
             <a:extLst>
               <a:ext uri="{FF2B5EF4-FFF2-40B4-BE49-F238E27FC236}">
-                <a16:creationId xmlns:a16="http://schemas.microsoft.com/office/drawing/2014/main" id="{934BAA59-037E-4FF0-B84C-863A83D5177E}"/>
+                <a16:creationId xmlns:a16="http://schemas.microsoft.com/office/drawing/2014/main" xmlns="" id="{934BAA59-037E-4FF0-B84C-863A83D5177E}"/>
               </a:ext>
             </a:extLst>
           </p:cNvPr>
@@ -1934,7 +1941,7 @@
           <p:cNvPr id="3" name="Date Placeholder 2">
             <a:extLst>
               <a:ext uri="{FF2B5EF4-FFF2-40B4-BE49-F238E27FC236}">
-                <a16:creationId xmlns:a16="http://schemas.microsoft.com/office/drawing/2014/main" id="{0386309D-1CA0-4C7A-A1A7-841B30868C5D}"/>
+                <a16:creationId xmlns:a16="http://schemas.microsoft.com/office/drawing/2014/main" xmlns="" id="{0386309D-1CA0-4C7A-A1A7-841B30868C5D}"/>
               </a:ext>
             </a:extLst>
           </p:cNvPr>
@@ -1952,7 +1959,7 @@
           <a:p>
             <a:fld id="{1E4471EA-5D67-48BD-A8C7-B875CA7F6484}" type="datetimeFigureOut">
               <a:rPr lang="en-US" smtClean="0"/>
-              <a:t>8/24/2018</a:t>
+              <a:t>9/7/2018</a:t>
             </a:fld>
             <a:endParaRPr lang="en-US"/>
           </a:p>
@@ -1963,7 +1970,7 @@
           <p:cNvPr id="4" name="Footer Placeholder 3">
             <a:extLst>
               <a:ext uri="{FF2B5EF4-FFF2-40B4-BE49-F238E27FC236}">
-                <a16:creationId xmlns:a16="http://schemas.microsoft.com/office/drawing/2014/main" id="{E1CFA033-D14F-4CAA-9AD9-41AF4E9BAEA4}"/>
+                <a16:creationId xmlns:a16="http://schemas.microsoft.com/office/drawing/2014/main" xmlns="" id="{E1CFA033-D14F-4CAA-9AD9-41AF4E9BAEA4}"/>
               </a:ext>
             </a:extLst>
           </p:cNvPr>
@@ -1988,7 +1995,7 @@
           <p:cNvPr id="5" name="Slide Number Placeholder 4">
             <a:extLst>
               <a:ext uri="{FF2B5EF4-FFF2-40B4-BE49-F238E27FC236}">
-                <a16:creationId xmlns:a16="http://schemas.microsoft.com/office/drawing/2014/main" id="{09E67B16-027C-4F8E-80FC-24F2A49D7399}"/>
+                <a16:creationId xmlns:a16="http://schemas.microsoft.com/office/drawing/2014/main" xmlns="" id="{09E67B16-027C-4F8E-80FC-24F2A49D7399}"/>
               </a:ext>
             </a:extLst>
           </p:cNvPr>
@@ -2047,7 +2054,7 @@
           <p:cNvPr id="2" name="Date Placeholder 1">
             <a:extLst>
               <a:ext uri="{FF2B5EF4-FFF2-40B4-BE49-F238E27FC236}">
-                <a16:creationId xmlns:a16="http://schemas.microsoft.com/office/drawing/2014/main" id="{675DBC10-5CD1-41B3-BFDA-711331FD0D5E}"/>
+                <a16:creationId xmlns:a16="http://schemas.microsoft.com/office/drawing/2014/main" xmlns="" id="{675DBC10-5CD1-41B3-BFDA-711331FD0D5E}"/>
               </a:ext>
             </a:extLst>
           </p:cNvPr>
@@ -2065,7 +2072,7 @@
           <a:p>
             <a:fld id="{1E4471EA-5D67-48BD-A8C7-B875CA7F6484}" type="datetimeFigureOut">
               <a:rPr lang="en-US" smtClean="0"/>
-              <a:t>8/24/2018</a:t>
+              <a:t>9/7/2018</a:t>
             </a:fld>
             <a:endParaRPr lang="en-US"/>
           </a:p>
@@ -2076,7 +2083,7 @@
           <p:cNvPr id="3" name="Footer Placeholder 2">
             <a:extLst>
               <a:ext uri="{FF2B5EF4-FFF2-40B4-BE49-F238E27FC236}">
-                <a16:creationId xmlns:a16="http://schemas.microsoft.com/office/drawing/2014/main" id="{5BCF8605-6F3D-410F-8C34-A16DFA9BC99A}"/>
+                <a16:creationId xmlns:a16="http://schemas.microsoft.com/office/drawing/2014/main" xmlns="" id="{5BCF8605-6F3D-410F-8C34-A16DFA9BC99A}"/>
               </a:ext>
             </a:extLst>
           </p:cNvPr>
@@ -2101,7 +2108,7 @@
           <p:cNvPr id="4" name="Slide Number Placeholder 3">
             <a:extLst>
               <a:ext uri="{FF2B5EF4-FFF2-40B4-BE49-F238E27FC236}">
-                <a16:creationId xmlns:a16="http://schemas.microsoft.com/office/drawing/2014/main" id="{F2186155-E8AD-4B0E-AAA0-05E20CE43E1A}"/>
+                <a16:creationId xmlns:a16="http://schemas.microsoft.com/office/drawing/2014/main" xmlns="" id="{F2186155-E8AD-4B0E-AAA0-05E20CE43E1A}"/>
               </a:ext>
             </a:extLst>
           </p:cNvPr>
@@ -2160,7 +2167,7 @@
           <p:cNvPr id="2" name="Title 1">
             <a:extLst>
               <a:ext uri="{FF2B5EF4-FFF2-40B4-BE49-F238E27FC236}">
-                <a16:creationId xmlns:a16="http://schemas.microsoft.com/office/drawing/2014/main" id="{578FBB42-28B9-4A89-81E8-50CBF961FFC6}"/>
+                <a16:creationId xmlns:a16="http://schemas.microsoft.com/office/drawing/2014/main" xmlns="" id="{578FBB42-28B9-4A89-81E8-50CBF961FFC6}"/>
               </a:ext>
             </a:extLst>
           </p:cNvPr>
@@ -2197,7 +2204,7 @@
           <p:cNvPr id="3" name="Content Placeholder 2">
             <a:extLst>
               <a:ext uri="{FF2B5EF4-FFF2-40B4-BE49-F238E27FC236}">
-                <a16:creationId xmlns:a16="http://schemas.microsoft.com/office/drawing/2014/main" id="{2D193FEF-64CB-40D1-A615-0B5E3BBE1F2F}"/>
+                <a16:creationId xmlns:a16="http://schemas.microsoft.com/office/drawing/2014/main" xmlns="" id="{2D193FEF-64CB-40D1-A615-0B5E3BBE1F2F}"/>
               </a:ext>
             </a:extLst>
           </p:cNvPr>
@@ -2287,7 +2294,7 @@
           <p:cNvPr id="4" name="Text Placeholder 3">
             <a:extLst>
               <a:ext uri="{FF2B5EF4-FFF2-40B4-BE49-F238E27FC236}">
-                <a16:creationId xmlns:a16="http://schemas.microsoft.com/office/drawing/2014/main" id="{7631E92A-D215-4035-BA4D-BA2C4FE83677}"/>
+                <a16:creationId xmlns:a16="http://schemas.microsoft.com/office/drawing/2014/main" xmlns="" id="{7631E92A-D215-4035-BA4D-BA2C4FE83677}"/>
               </a:ext>
             </a:extLst>
           </p:cNvPr>
@@ -2358,7 +2365,7 @@
           <p:cNvPr id="5" name="Date Placeholder 4">
             <a:extLst>
               <a:ext uri="{FF2B5EF4-FFF2-40B4-BE49-F238E27FC236}">
-                <a16:creationId xmlns:a16="http://schemas.microsoft.com/office/drawing/2014/main" id="{172EF129-F6C0-4718-B870-6DE8EBA9E258}"/>
+                <a16:creationId xmlns:a16="http://schemas.microsoft.com/office/drawing/2014/main" xmlns="" id="{172EF129-F6C0-4718-B870-6DE8EBA9E258}"/>
               </a:ext>
             </a:extLst>
           </p:cNvPr>
@@ -2376,7 +2383,7 @@
           <a:p>
             <a:fld id="{1E4471EA-5D67-48BD-A8C7-B875CA7F6484}" type="datetimeFigureOut">
               <a:rPr lang="en-US" smtClean="0"/>
-              <a:t>8/24/2018</a:t>
+              <a:t>9/7/2018</a:t>
             </a:fld>
             <a:endParaRPr lang="en-US"/>
           </a:p>
@@ -2387,7 +2394,7 @@
           <p:cNvPr id="6" name="Footer Placeholder 5">
             <a:extLst>
               <a:ext uri="{FF2B5EF4-FFF2-40B4-BE49-F238E27FC236}">
-                <a16:creationId xmlns:a16="http://schemas.microsoft.com/office/drawing/2014/main" id="{3A90F921-271F-4A84-8896-E30B0A167983}"/>
+                <a16:creationId xmlns:a16="http://schemas.microsoft.com/office/drawing/2014/main" xmlns="" id="{3A90F921-271F-4A84-8896-E30B0A167983}"/>
               </a:ext>
             </a:extLst>
           </p:cNvPr>
@@ -2412,7 +2419,7 @@
           <p:cNvPr id="7" name="Slide Number Placeholder 6">
             <a:extLst>
               <a:ext uri="{FF2B5EF4-FFF2-40B4-BE49-F238E27FC236}">
-                <a16:creationId xmlns:a16="http://schemas.microsoft.com/office/drawing/2014/main" id="{B47C7945-2D83-4A67-848F-3F9182D86CA4}"/>
+                <a16:creationId xmlns:a16="http://schemas.microsoft.com/office/drawing/2014/main" xmlns="" id="{B47C7945-2D83-4A67-848F-3F9182D86CA4}"/>
               </a:ext>
             </a:extLst>
           </p:cNvPr>
@@ -2471,7 +2478,7 @@
           <p:cNvPr id="2" name="Title 1">
             <a:extLst>
               <a:ext uri="{FF2B5EF4-FFF2-40B4-BE49-F238E27FC236}">
-                <a16:creationId xmlns:a16="http://schemas.microsoft.com/office/drawing/2014/main" id="{2A0C1DB7-5D86-46A7-8C7C-0AD362BB3AEC}"/>
+                <a16:creationId xmlns:a16="http://schemas.microsoft.com/office/drawing/2014/main" xmlns="" id="{2A0C1DB7-5D86-46A7-8C7C-0AD362BB3AEC}"/>
               </a:ext>
             </a:extLst>
           </p:cNvPr>
@@ -2508,7 +2515,7 @@
           <p:cNvPr id="3" name="Picture Placeholder 2">
             <a:extLst>
               <a:ext uri="{FF2B5EF4-FFF2-40B4-BE49-F238E27FC236}">
-                <a16:creationId xmlns:a16="http://schemas.microsoft.com/office/drawing/2014/main" id="{D34FFF14-05AD-41BB-B8DF-CEB8C16F3837}"/>
+                <a16:creationId xmlns:a16="http://schemas.microsoft.com/office/drawing/2014/main" xmlns="" id="{D34FFF14-05AD-41BB-B8DF-CEB8C16F3837}"/>
               </a:ext>
             </a:extLst>
           </p:cNvPr>
@@ -2575,7 +2582,7 @@
           <p:cNvPr id="4" name="Text Placeholder 3">
             <a:extLst>
               <a:ext uri="{FF2B5EF4-FFF2-40B4-BE49-F238E27FC236}">
-                <a16:creationId xmlns:a16="http://schemas.microsoft.com/office/drawing/2014/main" id="{CADD4995-A23A-4300-AAED-9D7166EAFABB}"/>
+                <a16:creationId xmlns:a16="http://schemas.microsoft.com/office/drawing/2014/main" xmlns="" id="{CADD4995-A23A-4300-AAED-9D7166EAFABB}"/>
               </a:ext>
             </a:extLst>
           </p:cNvPr>
@@ -2646,7 +2653,7 @@
           <p:cNvPr id="5" name="Date Placeholder 4">
             <a:extLst>
               <a:ext uri="{FF2B5EF4-FFF2-40B4-BE49-F238E27FC236}">
-                <a16:creationId xmlns:a16="http://schemas.microsoft.com/office/drawing/2014/main" id="{42A08B76-4091-4622-88F3-DA189C588DD4}"/>
+                <a16:creationId xmlns:a16="http://schemas.microsoft.com/office/drawing/2014/main" xmlns="" id="{42A08B76-4091-4622-88F3-DA189C588DD4}"/>
               </a:ext>
             </a:extLst>
           </p:cNvPr>
@@ -2664,7 +2671,7 @@
           <a:p>
             <a:fld id="{1E4471EA-5D67-48BD-A8C7-B875CA7F6484}" type="datetimeFigureOut">
               <a:rPr lang="en-US" smtClean="0"/>
-              <a:t>8/24/2018</a:t>
+              <a:t>9/7/2018</a:t>
             </a:fld>
             <a:endParaRPr lang="en-US"/>
           </a:p>
@@ -2675,7 +2682,7 @@
           <p:cNvPr id="6" name="Footer Placeholder 5">
             <a:extLst>
               <a:ext uri="{FF2B5EF4-FFF2-40B4-BE49-F238E27FC236}">
-                <a16:creationId xmlns:a16="http://schemas.microsoft.com/office/drawing/2014/main" id="{D3C29837-3861-42F1-A446-3A683D5F2D71}"/>
+                <a16:creationId xmlns:a16="http://schemas.microsoft.com/office/drawing/2014/main" xmlns="" id="{D3C29837-3861-42F1-A446-3A683D5F2D71}"/>
               </a:ext>
             </a:extLst>
           </p:cNvPr>
@@ -2700,7 +2707,7 @@
           <p:cNvPr id="7" name="Slide Number Placeholder 6">
             <a:extLst>
               <a:ext uri="{FF2B5EF4-FFF2-40B4-BE49-F238E27FC236}">
-                <a16:creationId xmlns:a16="http://schemas.microsoft.com/office/drawing/2014/main" id="{02A23591-BA12-42B3-8407-7DA7A02F81CC}"/>
+                <a16:creationId xmlns:a16="http://schemas.microsoft.com/office/drawing/2014/main" xmlns="" id="{02A23591-BA12-42B3-8407-7DA7A02F81CC}"/>
               </a:ext>
             </a:extLst>
           </p:cNvPr>
@@ -2764,7 +2771,7 @@
           <p:cNvPr id="2" name="Title Placeholder 1">
             <a:extLst>
               <a:ext uri="{FF2B5EF4-FFF2-40B4-BE49-F238E27FC236}">
-                <a16:creationId xmlns:a16="http://schemas.microsoft.com/office/drawing/2014/main" id="{02FA9218-5399-4E00-B75E-EBBC42D6FC9F}"/>
+                <a16:creationId xmlns:a16="http://schemas.microsoft.com/office/drawing/2014/main" xmlns="" id="{02FA9218-5399-4E00-B75E-EBBC42D6FC9F}"/>
               </a:ext>
             </a:extLst>
           </p:cNvPr>
@@ -2802,7 +2809,7 @@
           <p:cNvPr id="3" name="Text Placeholder 2">
             <a:extLst>
               <a:ext uri="{FF2B5EF4-FFF2-40B4-BE49-F238E27FC236}">
-                <a16:creationId xmlns:a16="http://schemas.microsoft.com/office/drawing/2014/main" id="{8A244BF8-5EA0-4785-B88B-40E85B82B9F9}"/>
+                <a16:creationId xmlns:a16="http://schemas.microsoft.com/office/drawing/2014/main" xmlns="" id="{8A244BF8-5EA0-4785-B88B-40E85B82B9F9}"/>
               </a:ext>
             </a:extLst>
           </p:cNvPr>
@@ -2869,7 +2876,7 @@
           <p:cNvPr id="4" name="Date Placeholder 3">
             <a:extLst>
               <a:ext uri="{FF2B5EF4-FFF2-40B4-BE49-F238E27FC236}">
-                <a16:creationId xmlns:a16="http://schemas.microsoft.com/office/drawing/2014/main" id="{848CB6FF-AD88-48A1-BF8D-846080A0B2A9}"/>
+                <a16:creationId xmlns:a16="http://schemas.microsoft.com/office/drawing/2014/main" xmlns="" id="{848CB6FF-AD88-48A1-BF8D-846080A0B2A9}"/>
               </a:ext>
             </a:extLst>
           </p:cNvPr>
@@ -2905,7 +2912,7 @@
           <a:p>
             <a:fld id="{1E4471EA-5D67-48BD-A8C7-B875CA7F6484}" type="datetimeFigureOut">
               <a:rPr lang="en-US" smtClean="0"/>
-              <a:t>8/24/2018</a:t>
+              <a:t>9/7/2018</a:t>
             </a:fld>
             <a:endParaRPr lang="en-US"/>
           </a:p>
@@ -2916,7 +2923,7 @@
           <p:cNvPr id="5" name="Footer Placeholder 4">
             <a:extLst>
               <a:ext uri="{FF2B5EF4-FFF2-40B4-BE49-F238E27FC236}">
-                <a16:creationId xmlns:a16="http://schemas.microsoft.com/office/drawing/2014/main" id="{A4856DB7-4E41-4378-B19A-E1EE8E5C0092}"/>
+                <a16:creationId xmlns:a16="http://schemas.microsoft.com/office/drawing/2014/main" xmlns="" id="{A4856DB7-4E41-4378-B19A-E1EE8E5C0092}"/>
               </a:ext>
             </a:extLst>
           </p:cNvPr>
@@ -2959,7 +2966,7 @@
           <p:cNvPr id="6" name="Slide Number Placeholder 5">
             <a:extLst>
               <a:ext uri="{FF2B5EF4-FFF2-40B4-BE49-F238E27FC236}">
-                <a16:creationId xmlns:a16="http://schemas.microsoft.com/office/drawing/2014/main" id="{5EA8C6CB-333B-4BA8-B625-ADBAEABC51F1}"/>
+                <a16:creationId xmlns:a16="http://schemas.microsoft.com/office/drawing/2014/main" xmlns="" id="{5EA8C6CB-333B-4BA8-B625-ADBAEABC51F1}"/>
               </a:ext>
             </a:extLst>
           </p:cNvPr>
@@ -3327,7 +3334,7 @@
           <p:cNvPr id="4" name="Title 3">
             <a:extLst>
               <a:ext uri="{FF2B5EF4-FFF2-40B4-BE49-F238E27FC236}">
-                <a16:creationId xmlns:a16="http://schemas.microsoft.com/office/drawing/2014/main" id="{C0FD9731-439C-4808-81DB-ADBCCAB3B2D8}"/>
+                <a16:creationId xmlns:a16="http://schemas.microsoft.com/office/drawing/2014/main" xmlns="" id="{C0FD9731-439C-4808-81DB-ADBCCAB3B2D8}"/>
               </a:ext>
             </a:extLst>
           </p:cNvPr>
@@ -3355,7 +3362,7 @@
           <p:cNvPr id="6" name="Straight Connector 5">
             <a:extLst>
               <a:ext uri="{FF2B5EF4-FFF2-40B4-BE49-F238E27FC236}">
-                <a16:creationId xmlns:a16="http://schemas.microsoft.com/office/drawing/2014/main" id="{CBA010C4-6B69-4329-B6FB-AA995CE5B78F}"/>
+                <a16:creationId xmlns:a16="http://schemas.microsoft.com/office/drawing/2014/main" xmlns="" id="{CBA010C4-6B69-4329-B6FB-AA995CE5B78F}"/>
               </a:ext>
             </a:extLst>
           </p:cNvPr>
@@ -3396,7 +3403,7 @@
           <p:cNvPr id="9" name="Straight Connector 8">
             <a:extLst>
               <a:ext uri="{FF2B5EF4-FFF2-40B4-BE49-F238E27FC236}">
-                <a16:creationId xmlns:a16="http://schemas.microsoft.com/office/drawing/2014/main" id="{3A8A674D-3B1F-4F98-87F0-8435CBEF2ED6}"/>
+                <a16:creationId xmlns:a16="http://schemas.microsoft.com/office/drawing/2014/main" xmlns="" id="{3A8A674D-3B1F-4F98-87F0-8435CBEF2ED6}"/>
               </a:ext>
             </a:extLst>
           </p:cNvPr>
@@ -3437,7 +3444,7 @@
           <p:cNvPr id="10" name="TextBox 9">
             <a:extLst>
               <a:ext uri="{FF2B5EF4-FFF2-40B4-BE49-F238E27FC236}">
-                <a16:creationId xmlns:a16="http://schemas.microsoft.com/office/drawing/2014/main" id="{B660A6D6-58DA-43AB-9411-D5B4CE33A6BC}"/>
+                <a16:creationId xmlns:a16="http://schemas.microsoft.com/office/drawing/2014/main" xmlns="" id="{B660A6D6-58DA-43AB-9411-D5B4CE33A6BC}"/>
               </a:ext>
             </a:extLst>
           </p:cNvPr>
@@ -3476,7 +3483,7 @@
           <p:cNvPr id="11" name="TextBox 10">
             <a:extLst>
               <a:ext uri="{FF2B5EF4-FFF2-40B4-BE49-F238E27FC236}">
-                <a16:creationId xmlns:a16="http://schemas.microsoft.com/office/drawing/2014/main" id="{43F727B1-9861-4A2D-863C-B9D822F89D7B}"/>
+                <a16:creationId xmlns:a16="http://schemas.microsoft.com/office/drawing/2014/main" xmlns="" id="{43F727B1-9861-4A2D-863C-B9D822F89D7B}"/>
               </a:ext>
             </a:extLst>
           </p:cNvPr>
@@ -3515,7 +3522,7 @@
           <p:cNvPr id="12" name="TextBox 11">
             <a:extLst>
               <a:ext uri="{FF2B5EF4-FFF2-40B4-BE49-F238E27FC236}">
-                <a16:creationId xmlns:a16="http://schemas.microsoft.com/office/drawing/2014/main" id="{70C575F0-6BF8-4397-A222-775943AA3400}"/>
+                <a16:creationId xmlns:a16="http://schemas.microsoft.com/office/drawing/2014/main" xmlns="" id="{70C575F0-6BF8-4397-A222-775943AA3400}"/>
               </a:ext>
             </a:extLst>
           </p:cNvPr>
@@ -3554,7 +3561,7 @@
           <p:cNvPr id="13" name="TextBox 12">
             <a:extLst>
               <a:ext uri="{FF2B5EF4-FFF2-40B4-BE49-F238E27FC236}">
-                <a16:creationId xmlns:a16="http://schemas.microsoft.com/office/drawing/2014/main" id="{C8E4F705-FC97-4FD2-AB6A-C57AD6AFC181}"/>
+                <a16:creationId xmlns:a16="http://schemas.microsoft.com/office/drawing/2014/main" xmlns="" id="{C8E4F705-FC97-4FD2-AB6A-C57AD6AFC181}"/>
               </a:ext>
             </a:extLst>
           </p:cNvPr>
@@ -3607,7 +3614,7 @@
           <p:cNvPr id="1032" name="Picture 8" descr="Image result for lightbulb">
             <a:extLst>
               <a:ext uri="{FF2B5EF4-FFF2-40B4-BE49-F238E27FC236}">
-                <a16:creationId xmlns:a16="http://schemas.microsoft.com/office/drawing/2014/main" id="{F0F3048B-09E9-4D6E-85C9-193FCD23B733}"/>
+                <a16:creationId xmlns:a16="http://schemas.microsoft.com/office/drawing/2014/main" xmlns="" id="{F0F3048B-09E9-4D6E-85C9-193FCD23B733}"/>
               </a:ext>
             </a:extLst>
           </p:cNvPr>
@@ -3654,7 +3661,7 @@
           <p:cNvPr id="1034" name="Picture 10" descr="Image result for light switch">
             <a:extLst>
               <a:ext uri="{FF2B5EF4-FFF2-40B4-BE49-F238E27FC236}">
-                <a16:creationId xmlns:a16="http://schemas.microsoft.com/office/drawing/2014/main" id="{9EF04ED2-BDB0-4A0E-83AA-4101D12311A6}"/>
+                <a16:creationId xmlns:a16="http://schemas.microsoft.com/office/drawing/2014/main" xmlns="" id="{9EF04ED2-BDB0-4A0E-83AA-4101D12311A6}"/>
               </a:ext>
             </a:extLst>
           </p:cNvPr>
@@ -3701,7 +3708,7 @@
           <p:cNvPr id="1036" name="Picture 12" descr="Image result for circuit diagram">
             <a:extLst>
               <a:ext uri="{FF2B5EF4-FFF2-40B4-BE49-F238E27FC236}">
-                <a16:creationId xmlns:a16="http://schemas.microsoft.com/office/drawing/2014/main" id="{9E9CC4BB-BD1C-4535-855D-9E0FAC42DACF}"/>
+                <a16:creationId xmlns:a16="http://schemas.microsoft.com/office/drawing/2014/main" xmlns="" id="{9E9CC4BB-BD1C-4535-855D-9E0FAC42DACF}"/>
               </a:ext>
             </a:extLst>
           </p:cNvPr>
@@ -3753,6 +3760,13 @@
   <p:clrMapOvr>
     <a:masterClrMapping/>
   </p:clrMapOvr>
+  <p:timing>
+    <p:tnLst>
+      <p:par>
+        <p:cTn id="1" dur="indefinite" restart="never" nodeType="tmRoot"/>
+      </p:par>
+    </p:tnLst>
+  </p:timing>
 </p:sld>
 </file>
 
@@ -3778,7 +3792,7 @@
           <p:cNvPr id="4" name="Title 3">
             <a:extLst>
               <a:ext uri="{FF2B5EF4-FFF2-40B4-BE49-F238E27FC236}">
-                <a16:creationId xmlns:a16="http://schemas.microsoft.com/office/drawing/2014/main" id="{C0FD9731-439C-4808-81DB-ADBCCAB3B2D8}"/>
+                <a16:creationId xmlns:a16="http://schemas.microsoft.com/office/drawing/2014/main" xmlns="" id="{C0FD9731-439C-4808-81DB-ADBCCAB3B2D8}"/>
               </a:ext>
             </a:extLst>
           </p:cNvPr>
@@ -3806,7 +3820,7 @@
           <p:cNvPr id="6" name="Straight Connector 5">
             <a:extLst>
               <a:ext uri="{FF2B5EF4-FFF2-40B4-BE49-F238E27FC236}">
-                <a16:creationId xmlns:a16="http://schemas.microsoft.com/office/drawing/2014/main" id="{CBA010C4-6B69-4329-B6FB-AA995CE5B78F}"/>
+                <a16:creationId xmlns:a16="http://schemas.microsoft.com/office/drawing/2014/main" xmlns="" id="{CBA010C4-6B69-4329-B6FB-AA995CE5B78F}"/>
               </a:ext>
             </a:extLst>
           </p:cNvPr>
@@ -3847,7 +3861,7 @@
           <p:cNvPr id="9" name="Straight Connector 8">
             <a:extLst>
               <a:ext uri="{FF2B5EF4-FFF2-40B4-BE49-F238E27FC236}">
-                <a16:creationId xmlns:a16="http://schemas.microsoft.com/office/drawing/2014/main" id="{3A8A674D-3B1F-4F98-87F0-8435CBEF2ED6}"/>
+                <a16:creationId xmlns:a16="http://schemas.microsoft.com/office/drawing/2014/main" xmlns="" id="{3A8A674D-3B1F-4F98-87F0-8435CBEF2ED6}"/>
               </a:ext>
             </a:extLst>
           </p:cNvPr>
@@ -3888,7 +3902,7 @@
           <p:cNvPr id="10" name="TextBox 9">
             <a:extLst>
               <a:ext uri="{FF2B5EF4-FFF2-40B4-BE49-F238E27FC236}">
-                <a16:creationId xmlns:a16="http://schemas.microsoft.com/office/drawing/2014/main" id="{B660A6D6-58DA-43AB-9411-D5B4CE33A6BC}"/>
+                <a16:creationId xmlns:a16="http://schemas.microsoft.com/office/drawing/2014/main" xmlns="" id="{B660A6D6-58DA-43AB-9411-D5B4CE33A6BC}"/>
               </a:ext>
             </a:extLst>
           </p:cNvPr>
@@ -3927,7 +3941,7 @@
           <p:cNvPr id="11" name="TextBox 10">
             <a:extLst>
               <a:ext uri="{FF2B5EF4-FFF2-40B4-BE49-F238E27FC236}">
-                <a16:creationId xmlns:a16="http://schemas.microsoft.com/office/drawing/2014/main" id="{43F727B1-9861-4A2D-863C-B9D822F89D7B}"/>
+                <a16:creationId xmlns:a16="http://schemas.microsoft.com/office/drawing/2014/main" xmlns="" id="{43F727B1-9861-4A2D-863C-B9D822F89D7B}"/>
               </a:ext>
             </a:extLst>
           </p:cNvPr>
@@ -3966,7 +3980,7 @@
           <p:cNvPr id="12" name="TextBox 11">
             <a:extLst>
               <a:ext uri="{FF2B5EF4-FFF2-40B4-BE49-F238E27FC236}">
-                <a16:creationId xmlns:a16="http://schemas.microsoft.com/office/drawing/2014/main" id="{70C575F0-6BF8-4397-A222-775943AA3400}"/>
+                <a16:creationId xmlns:a16="http://schemas.microsoft.com/office/drawing/2014/main" xmlns="" id="{70C575F0-6BF8-4397-A222-775943AA3400}"/>
               </a:ext>
             </a:extLst>
           </p:cNvPr>
@@ -4005,7 +4019,7 @@
           <p:cNvPr id="13" name="TextBox 12">
             <a:extLst>
               <a:ext uri="{FF2B5EF4-FFF2-40B4-BE49-F238E27FC236}">
-                <a16:creationId xmlns:a16="http://schemas.microsoft.com/office/drawing/2014/main" id="{C8E4F705-FC97-4FD2-AB6A-C57AD6AFC181}"/>
+                <a16:creationId xmlns:a16="http://schemas.microsoft.com/office/drawing/2014/main" xmlns="" id="{C8E4F705-FC97-4FD2-AB6A-C57AD6AFC181}"/>
               </a:ext>
             </a:extLst>
           </p:cNvPr>
@@ -4058,7 +4072,7 @@
           <p:cNvPr id="2050" name="Picture 2" descr="Image result for Simon Game Buttons">
             <a:extLst>
               <a:ext uri="{FF2B5EF4-FFF2-40B4-BE49-F238E27FC236}">
-                <a16:creationId xmlns:a16="http://schemas.microsoft.com/office/drawing/2014/main" id="{9D2BDE95-F49D-4AF7-B908-C1B4FC3A7C2F}"/>
+                <a16:creationId xmlns:a16="http://schemas.microsoft.com/office/drawing/2014/main" xmlns="" id="{9D2BDE95-F49D-4AF7-B908-C1B4FC3A7C2F}"/>
               </a:ext>
             </a:extLst>
           </p:cNvPr>
@@ -4105,7 +4119,7 @@
           <p:cNvPr id="2054" name="Picture 6" descr="Image result for Simon Game lights">
             <a:extLst>
               <a:ext uri="{FF2B5EF4-FFF2-40B4-BE49-F238E27FC236}">
-                <a16:creationId xmlns:a16="http://schemas.microsoft.com/office/drawing/2014/main" id="{412E9F35-7362-4CBF-A05B-4091A8D6AD04}"/>
+                <a16:creationId xmlns:a16="http://schemas.microsoft.com/office/drawing/2014/main" xmlns="" id="{412E9F35-7362-4CBF-A05B-4091A8D6AD04}"/>
               </a:ext>
             </a:extLst>
           </p:cNvPr>
@@ -4152,7 +4166,7 @@
           <p:cNvPr id="3" name="Picture 2">
             <a:extLst>
               <a:ext uri="{FF2B5EF4-FFF2-40B4-BE49-F238E27FC236}">
-                <a16:creationId xmlns:a16="http://schemas.microsoft.com/office/drawing/2014/main" id="{5A813059-8CE2-473A-BC88-91B85B133A2E}"/>
+                <a16:creationId xmlns:a16="http://schemas.microsoft.com/office/drawing/2014/main" xmlns="" id="{5A813059-8CE2-473A-BC88-91B85B133A2E}"/>
               </a:ext>
             </a:extLst>
           </p:cNvPr>
@@ -4182,7 +4196,7 @@
           <p:cNvPr id="5" name="Picture 4">
             <a:extLst>
               <a:ext uri="{FF2B5EF4-FFF2-40B4-BE49-F238E27FC236}">
-                <a16:creationId xmlns:a16="http://schemas.microsoft.com/office/drawing/2014/main" id="{BF0D95C8-1388-4C77-8F1B-0DA580BC5672}"/>
+                <a16:creationId xmlns:a16="http://schemas.microsoft.com/office/drawing/2014/main" xmlns="" id="{BF0D95C8-1388-4C77-8F1B-0DA580BC5672}"/>
               </a:ext>
             </a:extLst>
           </p:cNvPr>
@@ -4212,7 +4226,7 @@
           <p:cNvPr id="7" name="TextBox 6">
             <a:extLst>
               <a:ext uri="{FF2B5EF4-FFF2-40B4-BE49-F238E27FC236}">
-                <a16:creationId xmlns:a16="http://schemas.microsoft.com/office/drawing/2014/main" id="{C8D6C131-341F-448E-89D6-69AD9B04A9F7}"/>
+                <a16:creationId xmlns:a16="http://schemas.microsoft.com/office/drawing/2014/main" xmlns="" id="{C8D6C131-341F-448E-89D6-69AD9B04A9F7}"/>
               </a:ext>
             </a:extLst>
           </p:cNvPr>
@@ -4247,7 +4261,7 @@
           <p:cNvPr id="15" name="TextBox 14">
             <a:extLst>
               <a:ext uri="{FF2B5EF4-FFF2-40B4-BE49-F238E27FC236}">
-                <a16:creationId xmlns:a16="http://schemas.microsoft.com/office/drawing/2014/main" id="{1227EA92-FFD6-4D64-A073-0D75B5A4BA16}"/>
+                <a16:creationId xmlns:a16="http://schemas.microsoft.com/office/drawing/2014/main" xmlns="" id="{1227EA92-FFD6-4D64-A073-0D75B5A4BA16}"/>
               </a:ext>
             </a:extLst>
           </p:cNvPr>
@@ -4287,6 +4301,654 @@
   <p:clrMapOvr>
     <a:masterClrMapping/>
   </p:clrMapOvr>
+  <p:timing>
+    <p:tnLst>
+      <p:par>
+        <p:cTn id="1" dur="indefinite" restart="never" nodeType="tmRoot"/>
+      </p:par>
+    </p:tnLst>
+  </p:timing>
+</p:sld>
+</file>
+
+<file path=ppt/slides/slide3.xml><?xml version="1.0" encoding="utf-8"?>
+<p:sld xmlns:a="http://schemas.openxmlformats.org/drawingml/2006/main" xmlns:r="http://schemas.openxmlformats.org/officeDocument/2006/relationships" xmlns:p="http://schemas.openxmlformats.org/presentationml/2006/main">
+  <p:cSld>
+    <p:spTree>
+      <p:nvGrpSpPr>
+        <p:cNvPr id="1" name=""/>
+        <p:cNvGrpSpPr/>
+        <p:nvPr/>
+      </p:nvGrpSpPr>
+      <p:grpSpPr>
+        <a:xfrm>
+          <a:off x="0" y="0"/>
+          <a:ext cx="0" cy="0"/>
+          <a:chOff x="0" y="0"/>
+          <a:chExt cx="0" cy="0"/>
+        </a:xfrm>
+      </p:grpSpPr>
+      <p:sp>
+        <p:nvSpPr>
+          <p:cNvPr id="4" name="Title 3">
+            <a:extLst>
+              <a:ext uri="{FF2B5EF4-FFF2-40B4-BE49-F238E27FC236}">
+                <a16:creationId xmlns:a16="http://schemas.microsoft.com/office/drawing/2014/main" xmlns="" id="{C0FD9731-439C-4808-81DB-ADBCCAB3B2D8}"/>
+              </a:ext>
+            </a:extLst>
+          </p:cNvPr>
+          <p:cNvSpPr>
+            <a:spLocks noGrp="1"/>
+          </p:cNvSpPr>
+          <p:nvPr>
+            <p:ph type="title"/>
+          </p:nvPr>
+        </p:nvSpPr>
+        <p:spPr/>
+        <p:txBody>
+          <a:bodyPr/>
+          <a:lstStyle/>
+          <a:p>
+            <a:r>
+              <a:rPr lang="en-US" dirty="0" smtClean="0"/>
+              <a:t>Light Switch – The Future Is Now</a:t>
+            </a:r>
+            <a:endParaRPr lang="en-US" dirty="0"/>
+          </a:p>
+        </p:txBody>
+      </p:sp>
+      <p:cxnSp>
+        <p:nvCxnSpPr>
+          <p:cNvPr id="6" name="Straight Connector 5">
+            <a:extLst>
+              <a:ext uri="{FF2B5EF4-FFF2-40B4-BE49-F238E27FC236}">
+                <a16:creationId xmlns:a16="http://schemas.microsoft.com/office/drawing/2014/main" xmlns="" id="{CBA010C4-6B69-4329-B6FB-AA995CE5B78F}"/>
+              </a:ext>
+            </a:extLst>
+          </p:cNvPr>
+          <p:cNvCxnSpPr>
+            <a:cxnSpLocks/>
+          </p:cNvCxnSpPr>
+          <p:nvPr/>
+        </p:nvCxnSpPr>
+        <p:spPr>
+          <a:xfrm>
+            <a:off x="3323016" y="1902691"/>
+            <a:ext cx="0" cy="3232727"/>
+          </a:xfrm>
+          <a:prstGeom prst="line">
+            <a:avLst/>
+          </a:prstGeom>
+          <a:ln w="57150">
+            <a:prstDash val="sysDot"/>
+          </a:ln>
+        </p:spPr>
+        <p:style>
+          <a:lnRef idx="1">
+            <a:schemeClr val="accent1"/>
+          </a:lnRef>
+          <a:fillRef idx="0">
+            <a:schemeClr val="accent1"/>
+          </a:fillRef>
+          <a:effectRef idx="0">
+            <a:schemeClr val="accent1"/>
+          </a:effectRef>
+          <a:fontRef idx="minor">
+            <a:schemeClr val="tx1"/>
+          </a:fontRef>
+        </p:style>
+      </p:cxnSp>
+      <p:cxnSp>
+        <p:nvCxnSpPr>
+          <p:cNvPr id="9" name="Straight Connector 8">
+            <a:extLst>
+              <a:ext uri="{FF2B5EF4-FFF2-40B4-BE49-F238E27FC236}">
+                <a16:creationId xmlns:a16="http://schemas.microsoft.com/office/drawing/2014/main" xmlns="" id="{3A8A674D-3B1F-4F98-87F0-8435CBEF2ED6}"/>
+              </a:ext>
+            </a:extLst>
+          </p:cNvPr>
+          <p:cNvCxnSpPr>
+            <a:cxnSpLocks/>
+          </p:cNvCxnSpPr>
+          <p:nvPr/>
+        </p:nvCxnSpPr>
+        <p:spPr>
+          <a:xfrm>
+            <a:off x="8672021" y="1902691"/>
+            <a:ext cx="0" cy="3232727"/>
+          </a:xfrm>
+          <a:prstGeom prst="line">
+            <a:avLst/>
+          </a:prstGeom>
+          <a:ln w="57150">
+            <a:prstDash val="sysDot"/>
+          </a:ln>
+        </p:spPr>
+        <p:style>
+          <a:lnRef idx="1">
+            <a:schemeClr val="accent1"/>
+          </a:lnRef>
+          <a:fillRef idx="0">
+            <a:schemeClr val="accent1"/>
+          </a:fillRef>
+          <a:effectRef idx="0">
+            <a:schemeClr val="accent1"/>
+          </a:effectRef>
+          <a:fontRef idx="minor">
+            <a:schemeClr val="tx1"/>
+          </a:fontRef>
+        </p:style>
+      </p:cxnSp>
+      <p:sp>
+        <p:nvSpPr>
+          <p:cNvPr id="10" name="TextBox 9">
+            <a:extLst>
+              <a:ext uri="{FF2B5EF4-FFF2-40B4-BE49-F238E27FC236}">
+                <a16:creationId xmlns:a16="http://schemas.microsoft.com/office/drawing/2014/main" xmlns="" id="{B660A6D6-58DA-43AB-9411-D5B4CE33A6BC}"/>
+              </a:ext>
+            </a:extLst>
+          </p:cNvPr>
+          <p:cNvSpPr txBox="1"/>
+          <p:nvPr/>
+        </p:nvSpPr>
+        <p:spPr>
+          <a:xfrm>
+            <a:off x="1403927" y="1902691"/>
+            <a:ext cx="1446230" cy="369332"/>
+          </a:xfrm>
+          <a:prstGeom prst="rect">
+            <a:avLst/>
+          </a:prstGeom>
+          <a:noFill/>
+        </p:spPr>
+        <p:txBody>
+          <a:bodyPr wrap="none" rtlCol="0">
+            <a:spAutoFit/>
+          </a:bodyPr>
+          <a:lstStyle/>
+          <a:p>
+            <a:r>
+              <a:rPr lang="en-US" dirty="0">
+                <a:solidFill>
+                  <a:srgbClr val="0070C0"/>
+                </a:solidFill>
+              </a:rPr>
+              <a:t>Input Objects</a:t>
+            </a:r>
+          </a:p>
+        </p:txBody>
+      </p:sp>
+      <p:sp>
+        <p:nvSpPr>
+          <p:cNvPr id="11" name="TextBox 10">
+            <a:extLst>
+              <a:ext uri="{FF2B5EF4-FFF2-40B4-BE49-F238E27FC236}">
+                <a16:creationId xmlns:a16="http://schemas.microsoft.com/office/drawing/2014/main" xmlns="" id="{43F727B1-9861-4A2D-863C-B9D822F89D7B}"/>
+              </a:ext>
+            </a:extLst>
+          </p:cNvPr>
+          <p:cNvSpPr txBox="1"/>
+          <p:nvPr/>
+        </p:nvSpPr>
+        <p:spPr>
+          <a:xfrm>
+            <a:off x="4891152" y="1902691"/>
+            <a:ext cx="2178802" cy="369332"/>
+          </a:xfrm>
+          <a:prstGeom prst="rect">
+            <a:avLst/>
+          </a:prstGeom>
+          <a:noFill/>
+        </p:spPr>
+        <p:txBody>
+          <a:bodyPr wrap="none" rtlCol="0">
+            <a:spAutoFit/>
+          </a:bodyPr>
+          <a:lstStyle/>
+          <a:p>
+            <a:r>
+              <a:rPr lang="en-US" dirty="0" err="1" smtClean="0">
+                <a:solidFill>
+                  <a:srgbClr val="0070C0"/>
+                </a:solidFill>
+              </a:rPr>
+              <a:t>Eg</a:t>
+            </a:r>
+            <a:r>
+              <a:rPr lang="en-US" dirty="0" smtClean="0">
+                <a:solidFill>
+                  <a:srgbClr val="0070C0"/>
+                </a:solidFill>
+              </a:rPr>
+              <a:t>. BELL Smart Home</a:t>
+            </a:r>
+            <a:endParaRPr lang="en-US" dirty="0">
+              <a:solidFill>
+                <a:srgbClr val="0070C0"/>
+              </a:solidFill>
+            </a:endParaRPr>
+          </a:p>
+        </p:txBody>
+      </p:sp>
+      <p:sp>
+        <p:nvSpPr>
+          <p:cNvPr id="12" name="TextBox 11">
+            <a:extLst>
+              <a:ext uri="{FF2B5EF4-FFF2-40B4-BE49-F238E27FC236}">
+                <a16:creationId xmlns:a16="http://schemas.microsoft.com/office/drawing/2014/main" xmlns="" id="{70C575F0-6BF8-4397-A222-775943AA3400}"/>
+              </a:ext>
+            </a:extLst>
+          </p:cNvPr>
+          <p:cNvSpPr txBox="1"/>
+          <p:nvPr/>
+        </p:nvSpPr>
+        <p:spPr>
+          <a:xfrm>
+            <a:off x="8932680" y="1966790"/>
+            <a:ext cx="1617751" cy="369332"/>
+          </a:xfrm>
+          <a:prstGeom prst="rect">
+            <a:avLst/>
+          </a:prstGeom>
+          <a:noFill/>
+        </p:spPr>
+        <p:txBody>
+          <a:bodyPr wrap="none" rtlCol="0">
+            <a:spAutoFit/>
+          </a:bodyPr>
+          <a:lstStyle/>
+          <a:p>
+            <a:r>
+              <a:rPr lang="en-US" dirty="0">
+                <a:solidFill>
+                  <a:srgbClr val="0070C0"/>
+                </a:solidFill>
+              </a:rPr>
+              <a:t>Output Objects</a:t>
+            </a:r>
+          </a:p>
+        </p:txBody>
+      </p:sp>
+      <p:sp>
+        <p:nvSpPr>
+          <p:cNvPr id="13" name="TextBox 12">
+            <a:extLst>
+              <a:ext uri="{FF2B5EF4-FFF2-40B4-BE49-F238E27FC236}">
+                <a16:creationId xmlns:a16="http://schemas.microsoft.com/office/drawing/2014/main" xmlns="" id="{C8E4F705-FC97-4FD2-AB6A-C57AD6AFC181}"/>
+              </a:ext>
+            </a:extLst>
+          </p:cNvPr>
+          <p:cNvSpPr txBox="1"/>
+          <p:nvPr/>
+        </p:nvSpPr>
+        <p:spPr>
+          <a:xfrm>
+            <a:off x="3342875" y="5578764"/>
+            <a:ext cx="5348067" cy="707886"/>
+          </a:xfrm>
+          <a:prstGeom prst="rect">
+            <a:avLst/>
+          </a:prstGeom>
+          <a:noFill/>
+        </p:spPr>
+        <p:txBody>
+          <a:bodyPr wrap="none" rtlCol="0">
+            <a:spAutoFit/>
+          </a:bodyPr>
+          <a:lstStyle/>
+          <a:p>
+            <a:r>
+              <a:rPr lang="en-US" sz="2000" dirty="0" smtClean="0">
+                <a:solidFill>
+                  <a:srgbClr val="FF0000"/>
+                </a:solidFill>
+              </a:rPr>
+              <a:t>Even basic household wiring will be connected to </a:t>
+            </a:r>
+            <a:br>
+              <a:rPr lang="en-US" sz="2000" dirty="0" smtClean="0">
+                <a:solidFill>
+                  <a:srgbClr val="FF0000"/>
+                </a:solidFill>
+              </a:rPr>
+            </a:br>
+            <a:r>
+              <a:rPr lang="en-US" sz="2000" dirty="0" smtClean="0">
+                <a:solidFill>
+                  <a:srgbClr val="FF0000"/>
+                </a:solidFill>
+              </a:rPr>
+              <a:t>a controller / computer</a:t>
+            </a:r>
+            <a:endParaRPr lang="en-US" sz="2000" dirty="0">
+              <a:solidFill>
+                <a:srgbClr val="FF0000"/>
+              </a:solidFill>
+            </a:endParaRPr>
+          </a:p>
+        </p:txBody>
+      </p:sp>
+      <p:pic>
+        <p:nvPicPr>
+          <p:cNvPr id="1032" name="Picture 8" descr="Image result for lightbulb">
+            <a:extLst>
+              <a:ext uri="{FF2B5EF4-FFF2-40B4-BE49-F238E27FC236}">
+                <a16:creationId xmlns:a16="http://schemas.microsoft.com/office/drawing/2014/main" xmlns="" id="{F0F3048B-09E9-4D6E-85C9-193FCD23B733}"/>
+              </a:ext>
+            </a:extLst>
+          </p:cNvPr>
+          <p:cNvPicPr>
+            <a:picLocks noChangeAspect="1" noChangeArrowheads="1"/>
+          </p:cNvPicPr>
+          <p:nvPr/>
+        </p:nvPicPr>
+        <p:blipFill>
+          <a:blip r:embed="rId2">
+            <a:extLst>
+              <a:ext uri="{28A0092B-C50C-407E-A947-70E740481C1C}">
+                <a14:useLocalDpi xmlns:a14="http://schemas.microsoft.com/office/drawing/2010/main" val="0"/>
+              </a:ext>
+            </a:extLst>
+          </a:blip>
+          <a:srcRect/>
+          <a:stretch>
+            <a:fillRect/>
+          </a:stretch>
+        </p:blipFill>
+        <p:spPr bwMode="auto">
+          <a:xfrm rot="592059">
+            <a:off x="9090688" y="2554678"/>
+            <a:ext cx="1552711" cy="1938958"/>
+          </a:xfrm>
+          <a:prstGeom prst="rect">
+            <a:avLst/>
+          </a:prstGeom>
+          <a:noFill/>
+          <a:extLst>
+            <a:ext uri="{909E8E84-426E-40DD-AFC4-6F175D3DCCD1}">
+              <a14:hiddenFill xmlns:a14="http://schemas.microsoft.com/office/drawing/2010/main">
+                <a:solidFill>
+                  <a:srgbClr val="FFFFFF"/>
+                </a:solidFill>
+              </a14:hiddenFill>
+            </a:ext>
+          </a:extLst>
+        </p:spPr>
+      </p:pic>
+      <p:pic>
+        <p:nvPicPr>
+          <p:cNvPr id="1034" name="Picture 10" descr="Image result for light switch">
+            <a:extLst>
+              <a:ext uri="{FF2B5EF4-FFF2-40B4-BE49-F238E27FC236}">
+                <a16:creationId xmlns:a16="http://schemas.microsoft.com/office/drawing/2014/main" xmlns="" id="{9EF04ED2-BDB0-4A0E-83AA-4101D12311A6}"/>
+              </a:ext>
+            </a:extLst>
+          </p:cNvPr>
+          <p:cNvPicPr>
+            <a:picLocks noChangeAspect="1" noChangeArrowheads="1"/>
+          </p:cNvPicPr>
+          <p:nvPr/>
+        </p:nvPicPr>
+        <p:blipFill>
+          <a:blip r:embed="rId3" cstate="print">
+            <a:extLst>
+              <a:ext uri="{28A0092B-C50C-407E-A947-70E740481C1C}">
+                <a14:useLocalDpi xmlns:a14="http://schemas.microsoft.com/office/drawing/2010/main" val="0"/>
+              </a:ext>
+            </a:extLst>
+          </a:blip>
+          <a:srcRect/>
+          <a:stretch>
+            <a:fillRect/>
+          </a:stretch>
+        </p:blipFill>
+        <p:spPr bwMode="auto">
+          <a:xfrm>
+            <a:off x="1085802" y="2272023"/>
+            <a:ext cx="1241934" cy="1557507"/>
+          </a:xfrm>
+          <a:prstGeom prst="rect">
+            <a:avLst/>
+          </a:prstGeom>
+          <a:noFill/>
+          <a:extLst>
+            <a:ext uri="{909E8E84-426E-40DD-AFC4-6F175D3DCCD1}">
+              <a14:hiddenFill xmlns:a14="http://schemas.microsoft.com/office/drawing/2010/main">
+                <a:solidFill>
+                  <a:srgbClr val="FFFFFF"/>
+                </a:solidFill>
+              </a14:hiddenFill>
+            </a:ext>
+          </a:extLst>
+        </p:spPr>
+      </p:pic>
+      <p:pic>
+        <p:nvPicPr>
+          <p:cNvPr id="1026" name="Picture 2" descr="https://scontent-yyz1-1.xx.fbcdn.net/v/t1.0-9/15267616_10154942160696844_7820315201048144246_n.jpg?_nc_cat=0&amp;oh=8d315d039793e5829fe7f62cfe5e96aa&amp;oe=5C2E9749"/>
+          <p:cNvPicPr>
+            <a:picLocks noChangeAspect="1" noChangeArrowheads="1"/>
+          </p:cNvPicPr>
+          <p:nvPr/>
+        </p:nvPicPr>
+        <p:blipFill>
+          <a:blip r:embed="rId4">
+            <a:extLst>
+              <a:ext uri="{28A0092B-C50C-407E-A947-70E740481C1C}">
+                <a14:useLocalDpi xmlns:a14="http://schemas.microsoft.com/office/drawing/2010/main" val="0"/>
+              </a:ext>
+            </a:extLst>
+          </a:blip>
+          <a:srcRect/>
+          <a:stretch>
+            <a:fillRect/>
+          </a:stretch>
+        </p:blipFill>
+        <p:spPr bwMode="auto">
+          <a:xfrm>
+            <a:off x="3795876" y="2510581"/>
+            <a:ext cx="3996958" cy="2248290"/>
+          </a:xfrm>
+          <a:prstGeom prst="rect">
+            <a:avLst/>
+          </a:prstGeom>
+          <a:noFill/>
+          <a:extLst>
+            <a:ext uri="{909E8E84-426E-40DD-AFC4-6F175D3DCCD1}">
+              <a14:hiddenFill xmlns:a14="http://schemas.microsoft.com/office/drawing/2010/main">
+                <a:solidFill>
+                  <a:srgbClr val="FFFFFF"/>
+                </a:solidFill>
+              </a14:hiddenFill>
+            </a:ext>
+          </a:extLst>
+        </p:spPr>
+      </p:pic>
+      <p:pic>
+        <p:nvPicPr>
+          <p:cNvPr id="1028" name="Picture 4" descr="Image result for smart phone"/>
+          <p:cNvPicPr>
+            <a:picLocks noChangeAspect="1" noChangeArrowheads="1"/>
+          </p:cNvPicPr>
+          <p:nvPr/>
+        </p:nvPicPr>
+        <p:blipFill>
+          <a:blip r:embed="rId5" cstate="print">
+            <a:extLst>
+              <a:ext uri="{28A0092B-C50C-407E-A947-70E740481C1C}">
+                <a14:useLocalDpi xmlns:a14="http://schemas.microsoft.com/office/drawing/2010/main" val="0"/>
+              </a:ext>
+            </a:extLst>
+          </a:blip>
+          <a:srcRect/>
+          <a:stretch>
+            <a:fillRect/>
+          </a:stretch>
+        </p:blipFill>
+        <p:spPr bwMode="auto">
+          <a:xfrm>
+            <a:off x="946484" y="3986535"/>
+            <a:ext cx="1877418" cy="1251612"/>
+          </a:xfrm>
+          <a:prstGeom prst="rect">
+            <a:avLst/>
+          </a:prstGeom>
+          <a:noFill/>
+          <a:extLst>
+            <a:ext uri="{909E8E84-426E-40DD-AFC4-6F175D3DCCD1}">
+              <a14:hiddenFill xmlns:a14="http://schemas.microsoft.com/office/drawing/2010/main">
+                <a:solidFill>
+                  <a:srgbClr val="FFFFFF"/>
+                </a:solidFill>
+              </a14:hiddenFill>
+            </a:ext>
+          </a:extLst>
+        </p:spPr>
+      </p:pic>
+    </p:spTree>
+    <p:extLst>
+      <p:ext uri="{BB962C8B-B14F-4D97-AF65-F5344CB8AC3E}">
+        <p14:creationId xmlns:p14="http://schemas.microsoft.com/office/powerpoint/2010/main" val="541922407"/>
+      </p:ext>
+    </p:extLst>
+  </p:cSld>
+  <p:clrMapOvr>
+    <a:masterClrMapping/>
+  </p:clrMapOvr>
+  <p:timing>
+    <p:tnLst>
+      <p:par>
+        <p:cTn id="1" dur="indefinite" restart="never" nodeType="tmRoot"/>
+      </p:par>
+    </p:tnLst>
+  </p:timing>
+</p:sld>
+</file>
+
+<file path=ppt/slides/slide4.xml><?xml version="1.0" encoding="utf-8"?>
+<p:sld xmlns:a="http://schemas.openxmlformats.org/drawingml/2006/main" xmlns:r="http://schemas.openxmlformats.org/officeDocument/2006/relationships" xmlns:p="http://schemas.openxmlformats.org/presentationml/2006/main">
+  <p:cSld>
+    <p:spTree>
+      <p:nvGrpSpPr>
+        <p:cNvPr id="1" name=""/>
+        <p:cNvGrpSpPr/>
+        <p:nvPr/>
+      </p:nvGrpSpPr>
+      <p:grpSpPr>
+        <a:xfrm>
+          <a:off x="0" y="0"/>
+          <a:ext cx="0" cy="0"/>
+          <a:chOff x="0" y="0"/>
+          <a:chExt cx="0" cy="0"/>
+        </a:xfrm>
+      </p:grpSpPr>
+      <p:sp>
+        <p:nvSpPr>
+          <p:cNvPr id="2" name="Title 1"/>
+          <p:cNvSpPr>
+            <a:spLocks noGrp="1"/>
+          </p:cNvSpPr>
+          <p:nvPr>
+            <p:ph type="title"/>
+          </p:nvPr>
+        </p:nvSpPr>
+        <p:spPr/>
+        <p:txBody>
+          <a:bodyPr/>
+          <a:lstStyle/>
+          <a:p>
+            <a:r>
+              <a:rPr lang="en-CA" dirty="0" smtClean="0"/>
+              <a:t>Question#6 - Research</a:t>
+            </a:r>
+            <a:endParaRPr lang="en-US" dirty="0"/>
+          </a:p>
+        </p:txBody>
+      </p:sp>
+      <p:sp>
+        <p:nvSpPr>
+          <p:cNvPr id="3" name="Content Placeholder 2"/>
+          <p:cNvSpPr>
+            <a:spLocks noGrp="1"/>
+          </p:cNvSpPr>
+          <p:nvPr>
+            <p:ph idx="1"/>
+          </p:nvPr>
+        </p:nvSpPr>
+        <p:spPr/>
+        <p:txBody>
+          <a:bodyPr/>
+          <a:lstStyle/>
+          <a:p>
+            <a:r>
+              <a:rPr lang="en-CA" dirty="0" smtClean="0"/>
+              <a:t>Keyword “Emulate”</a:t>
+            </a:r>
+          </a:p>
+          <a:p>
+            <a:pPr lvl="1"/>
+            <a:r>
+              <a:rPr lang="en-CA" dirty="0" smtClean="0"/>
+              <a:t>To duplicate the function of programs designed for one computer so that they can run on another type of computer.</a:t>
+            </a:r>
+          </a:p>
+          <a:p>
+            <a:pPr lvl="1"/>
+            <a:r>
+              <a:rPr lang="en-CA" dirty="0" smtClean="0"/>
+              <a:t>Examples:</a:t>
+            </a:r>
+          </a:p>
+          <a:p>
+            <a:pPr lvl="2"/>
+            <a:r>
+              <a:rPr lang="en-CA" dirty="0" smtClean="0"/>
+              <a:t>Xbox Emulators can run Xbox games on home PCs</a:t>
+            </a:r>
+          </a:p>
+          <a:p>
+            <a:pPr lvl="2"/>
+            <a:r>
+              <a:rPr lang="en-CA" dirty="0" smtClean="0"/>
+              <a:t>Android Emulators can run Android apps on an iPhone</a:t>
+            </a:r>
+            <a:endParaRPr lang="en-CA" dirty="0"/>
+          </a:p>
+          <a:p>
+            <a:endParaRPr lang="en-CA" dirty="0" smtClean="0"/>
+          </a:p>
+          <a:p>
+            <a:r>
+              <a:rPr lang="en-CA" dirty="0" smtClean="0"/>
+              <a:t>Google Options:</a:t>
+            </a:r>
+          </a:p>
+          <a:p>
+            <a:pPr lvl="1"/>
+            <a:r>
+              <a:rPr lang="en-CA" dirty="0" smtClean="0"/>
+              <a:t>“Simon Game Emulations”</a:t>
+            </a:r>
+            <a:endParaRPr lang="en-US" dirty="0"/>
+          </a:p>
+        </p:txBody>
+      </p:sp>
+    </p:spTree>
+    <p:extLst>
+      <p:ext uri="{BB962C8B-B14F-4D97-AF65-F5344CB8AC3E}">
+        <p14:creationId xmlns:p14="http://schemas.microsoft.com/office/powerpoint/2010/main" val="3384795492"/>
+      </p:ext>
+    </p:extLst>
+  </p:cSld>
+  <p:clrMapOvr>
+    <a:masterClrMapping/>
+  </p:clrMapOvr>
+  <p:timing>
+    <p:tnLst>
+      <p:par>
+        <p:cTn id="1" dur="indefinite" restart="never" nodeType="tmRoot"/>
+      </p:par>
+    </p:tnLst>
+  </p:timing>
 </p:sld>
 </file>
 
